--- a/KICMistral_pre.pptx
+++ b/KICMistral_pre.pptx
@@ -216,7 +216,7 @@
           <a:p>
             <a:fld id="{0593CDAD-050A-435A-8B90-DDEC3FE3CFF6}" type="datetimeFigureOut">
               <a:rPr lang="en-US" smtClean="0"/>
-              <a:t>9/6/2024</a:t>
+              <a:t>10/1/2024</a:t>
             </a:fld>
             <a:endParaRPr lang="en-US"/>
           </a:p>
@@ -876,7 +876,7 @@
           <a:p>
             <a:fld id="{71BEB545-1150-4071-BC05-8EA9734F9E96}" type="datetimeFigureOut">
               <a:rPr lang="en-US" smtClean="0"/>
-              <a:t>9/6/2024</a:t>
+              <a:t>10/1/2024</a:t>
             </a:fld>
             <a:endParaRPr lang="en-US"/>
           </a:p>
@@ -1151,7 +1151,7 @@
           <a:p>
             <a:fld id="{71BEB545-1150-4071-BC05-8EA9734F9E96}" type="datetimeFigureOut">
               <a:rPr lang="en-US" smtClean="0"/>
-              <a:t>9/6/2024</a:t>
+              <a:t>10/1/2024</a:t>
             </a:fld>
             <a:endParaRPr lang="en-US"/>
           </a:p>
@@ -1345,7 +1345,7 @@
           <a:p>
             <a:fld id="{71BEB545-1150-4071-BC05-8EA9734F9E96}" type="datetimeFigureOut">
               <a:rPr lang="en-US" smtClean="0"/>
-              <a:t>9/6/2024</a:t>
+              <a:t>10/1/2024</a:t>
             </a:fld>
             <a:endParaRPr lang="en-US"/>
           </a:p>
@@ -1616,7 +1616,7 @@
           <a:p>
             <a:fld id="{71BEB545-1150-4071-BC05-8EA9734F9E96}" type="datetimeFigureOut">
               <a:rPr lang="en-US" smtClean="0"/>
-              <a:t>9/6/2024</a:t>
+              <a:t>10/1/2024</a:t>
             </a:fld>
             <a:endParaRPr lang="en-US"/>
           </a:p>
@@ -1943,7 +1943,7 @@
           <a:p>
             <a:fld id="{71BEB545-1150-4071-BC05-8EA9734F9E96}" type="datetimeFigureOut">
               <a:rPr lang="en-US" smtClean="0"/>
-              <a:t>9/6/2024</a:t>
+              <a:t>10/1/2024</a:t>
             </a:fld>
             <a:endParaRPr lang="en-US"/>
           </a:p>
@@ -2562,7 +2562,7 @@
           <a:p>
             <a:fld id="{71BEB545-1150-4071-BC05-8EA9734F9E96}" type="datetimeFigureOut">
               <a:rPr lang="en-US" smtClean="0"/>
-              <a:t>9/6/2024</a:t>
+              <a:t>10/1/2024</a:t>
             </a:fld>
             <a:endParaRPr lang="en-US"/>
           </a:p>
@@ -3409,7 +3409,7 @@
           <a:p>
             <a:fld id="{71BEB545-1150-4071-BC05-8EA9734F9E96}" type="datetimeFigureOut">
               <a:rPr lang="en-US" smtClean="0"/>
-              <a:t>9/6/2024</a:t>
+              <a:t>10/1/2024</a:t>
             </a:fld>
             <a:endParaRPr lang="en-US"/>
           </a:p>
@@ -3579,7 +3579,7 @@
           <a:p>
             <a:fld id="{71BEB545-1150-4071-BC05-8EA9734F9E96}" type="datetimeFigureOut">
               <a:rPr lang="en-US" smtClean="0"/>
-              <a:t>9/6/2024</a:t>
+              <a:t>10/1/2024</a:t>
             </a:fld>
             <a:endParaRPr lang="en-US"/>
           </a:p>
@@ -3759,7 +3759,7 @@
           <a:p>
             <a:fld id="{71BEB545-1150-4071-BC05-8EA9734F9E96}" type="datetimeFigureOut">
               <a:rPr lang="en-US" smtClean="0"/>
-              <a:t>9/6/2024</a:t>
+              <a:t>10/1/2024</a:t>
             </a:fld>
             <a:endParaRPr lang="en-US"/>
           </a:p>
@@ -3929,7 +3929,7 @@
           <a:p>
             <a:fld id="{71BEB545-1150-4071-BC05-8EA9734F9E96}" type="datetimeFigureOut">
               <a:rPr lang="en-US" smtClean="0"/>
-              <a:t>9/6/2024</a:t>
+              <a:t>10/1/2024</a:t>
             </a:fld>
             <a:endParaRPr lang="en-US"/>
           </a:p>
@@ -4176,7 +4176,7 @@
           <a:p>
             <a:fld id="{71BEB545-1150-4071-BC05-8EA9734F9E96}" type="datetimeFigureOut">
               <a:rPr lang="en-US" smtClean="0"/>
-              <a:t>9/6/2024</a:t>
+              <a:t>10/1/2024</a:t>
             </a:fld>
             <a:endParaRPr lang="en-US"/>
           </a:p>
@@ -4468,7 +4468,7 @@
           <a:p>
             <a:fld id="{71BEB545-1150-4071-BC05-8EA9734F9E96}" type="datetimeFigureOut">
               <a:rPr lang="en-US" smtClean="0"/>
-              <a:t>9/6/2024</a:t>
+              <a:t>10/1/2024</a:t>
             </a:fld>
             <a:endParaRPr lang="en-US"/>
           </a:p>
@@ -4917,7 +4917,7 @@
           <a:p>
             <a:fld id="{71BEB545-1150-4071-BC05-8EA9734F9E96}" type="datetimeFigureOut">
               <a:rPr lang="en-US" smtClean="0"/>
-              <a:t>9/6/2024</a:t>
+              <a:t>10/1/2024</a:t>
             </a:fld>
             <a:endParaRPr lang="en-US"/>
           </a:p>
@@ -5040,7 +5040,7 @@
           <a:p>
             <a:fld id="{71BEB545-1150-4071-BC05-8EA9734F9E96}" type="datetimeFigureOut">
               <a:rPr lang="en-US" smtClean="0"/>
-              <a:t>9/6/2024</a:t>
+              <a:t>10/1/2024</a:t>
             </a:fld>
             <a:endParaRPr lang="en-US"/>
           </a:p>
@@ -5135,7 +5135,7 @@
           <a:p>
             <a:fld id="{71BEB545-1150-4071-BC05-8EA9734F9E96}" type="datetimeFigureOut">
               <a:rPr lang="en-US" smtClean="0"/>
-              <a:t>9/6/2024</a:t>
+              <a:t>10/1/2024</a:t>
             </a:fld>
             <a:endParaRPr lang="en-US"/>
           </a:p>
@@ -5414,7 +5414,7 @@
           <a:p>
             <a:fld id="{71BEB545-1150-4071-BC05-8EA9734F9E96}" type="datetimeFigureOut">
               <a:rPr lang="en-US" smtClean="0"/>
-              <a:t>9/6/2024</a:t>
+              <a:t>10/1/2024</a:t>
             </a:fld>
             <a:endParaRPr lang="en-US"/>
           </a:p>
@@ -5694,7 +5694,7 @@
           <a:p>
             <a:fld id="{71BEB545-1150-4071-BC05-8EA9734F9E96}" type="datetimeFigureOut">
               <a:rPr lang="en-US" smtClean="0"/>
-              <a:t>9/6/2024</a:t>
+              <a:t>10/1/2024</a:t>
             </a:fld>
             <a:endParaRPr lang="en-US"/>
           </a:p>
@@ -6117,7 +6117,7 @@
           <a:p>
             <a:fld id="{71BEB545-1150-4071-BC05-8EA9734F9E96}" type="datetimeFigureOut">
               <a:rPr lang="en-US" smtClean="0"/>
-              <a:t>9/6/2024</a:t>
+              <a:t>10/1/2024</a:t>
             </a:fld>
             <a:endParaRPr lang="en-US"/>
           </a:p>
@@ -11968,14 +11968,14 @@
             <p:ph idx="1"/>
             <p:extLst>
               <p:ext uri="{D42A27DB-BD31-4B8C-83A1-F6EECF244321}">
-                <p14:modId xmlns:p14="http://schemas.microsoft.com/office/powerpoint/2010/main" val="2359176962"/>
+                <p14:modId xmlns:p14="http://schemas.microsoft.com/office/powerpoint/2010/main" val="2328858279"/>
               </p:ext>
             </p:extLst>
           </p:nvPr>
         </p:nvGraphicFramePr>
         <p:xfrm>
-          <a:off x="660943" y="2810256"/>
-          <a:ext cx="10462669" cy="2862198"/>
+          <a:off x="321617" y="2810256"/>
+          <a:ext cx="10801995" cy="2862198"/>
         </p:xfrm>
         <a:graphic>
           <a:graphicData uri="http://schemas.openxmlformats.org/drawingml/2006/table">
@@ -11984,7 +11984,7 @@
                 <a:tableStyleId>{5C22544A-7EE6-4342-B048-85BDC9FD1C3A}</a:tableStyleId>
               </a:tblPr>
               <a:tblGrid>
-                <a:gridCol w="2614958">
+                <a:gridCol w="2954284">
                   <a:extLst>
                     <a:ext uri="{9D8B030D-6E8A-4147-A177-3AD203B41FA5}">
                       <a16:colId xmlns:a16="http://schemas.microsoft.com/office/drawing/2014/main" val="2180807056"/>
